--- a/assets/public/Chapter_1_Introduction_to_business_and_accounting_concepts/documents/resources/BusinessConceptsV2.pptx
+++ b/assets/public/Chapter_1_Introduction_to_business_and_accounting_concepts/documents/resources/BusinessConceptsV2.pptx
@@ -5443,10 +5443,10 @@
         </p:nvGrpSpPr>
         <p:grpSpPr>
           <a:xfrm>
-            <a:off x="935329" y="2275336"/>
-            <a:ext cx="10321342" cy="1815883"/>
+            <a:off x="935329" y="2275337"/>
+            <a:ext cx="10321342" cy="1651798"/>
             <a:chOff x="1309169" y="2696072"/>
-            <a:chExt cx="9238371" cy="1356478"/>
+            <a:chExt cx="9238371" cy="1233905"/>
           </a:xfrm>
         </p:grpSpPr>
         <p:sp>
@@ -5571,9 +5571,9 @@
           <p:grpSpPr>
             <a:xfrm>
               <a:off x="1337317" y="2696072"/>
-              <a:ext cx="8903394" cy="1356478"/>
+              <a:ext cx="8903394" cy="1217156"/>
               <a:chOff x="1337317" y="2696072"/>
-              <a:chExt cx="8903394" cy="1356478"/>
+              <a:chExt cx="8903394" cy="1217156"/>
             </a:xfrm>
           </p:grpSpPr>
           <p:grpSp>
@@ -5590,10 +5590,10 @@
             </p:nvGrpSpPr>
             <p:grpSpPr>
               <a:xfrm>
-                <a:off x="2163201" y="2696072"/>
-                <a:ext cx="7446574" cy="1356478"/>
-                <a:chOff x="2163201" y="2696072"/>
-                <a:chExt cx="7446574" cy="1356478"/>
+                <a:off x="1794724" y="2696072"/>
+                <a:ext cx="8207397" cy="1217156"/>
+                <a:chOff x="1794724" y="2696072"/>
+                <a:chExt cx="8207397" cy="1217156"/>
               </a:xfrm>
             </p:grpSpPr>
             <p:sp>
@@ -5610,8 +5610,8 @@
               </p:nvSpPr>
               <p:spPr>
                 <a:xfrm>
-                  <a:off x="2163201" y="2696072"/>
-                  <a:ext cx="7446574" cy="1356478"/>
+                  <a:off x="1794724" y="2696072"/>
+                  <a:ext cx="8207397" cy="827681"/>
                 </a:xfrm>
                 <a:prstGeom prst="rect">
                   <a:avLst/>
@@ -5632,7 +5632,7 @@
                     </a:spcAft>
                   </a:pPr>
                   <a:r>
-                    <a:rPr lang="en-US" sz="2800" dirty="0">
+                    <a:rPr lang="en-US" sz="2200" dirty="0">
                       <a:solidFill>
                         <a:srgbClr val="584300"/>
                       </a:solidFill>
@@ -5649,21 +5649,6 @@
                     </a:rPr>
                     <a:t>Accounting is the art of recording, classifying and summarizing in a significant manner and in terms of money, transactions and events, which are, in part at least, of a financial character, and interpreting the result thereof</a:t>
                   </a:r>
-                  <a:endParaRPr lang="en-US" sz="2800" dirty="0">
-                    <a:solidFill>
-                      <a:srgbClr val="584300"/>
-                    </a:solidFill>
-                    <a:effectLst>
-                      <a:outerShdw blurRad="50800" dist="38100" dir="8100000" algn="tr" rotWithShape="0">
-                        <a:prstClr val="black">
-                          <a:alpha val="40000"/>
-                        </a:prstClr>
-                      </a:outerShdw>
-                    </a:effectLst>
-                    <a:latin typeface="Ubuntu Condensed" panose="020B0506030602030204" pitchFamily="34" charset="0"/>
-                    <a:ea typeface="Open Sans Light" panose="020B0306030504020204" pitchFamily="34" charset="0"/>
-                    <a:cs typeface="Open Sans Light" panose="020B0306030504020204" pitchFamily="34" charset="0"/>
-                  </a:endParaRPr>
                 </a:p>
               </p:txBody>
             </p:sp>
@@ -5681,7 +5666,7 @@
               </p:nvSpPr>
               <p:spPr>
                 <a:xfrm>
-                  <a:off x="5648038" y="3643242"/>
+                  <a:off x="5641775" y="3683316"/>
                   <a:ext cx="165348" cy="229912"/>
                 </a:xfrm>
                 <a:prstGeom prst="rect">
@@ -5962,7 +5947,7 @@
         </p:nvSpPr>
         <p:spPr>
           <a:xfrm>
-            <a:off x="4812844" y="4270863"/>
+            <a:off x="3997240" y="3557803"/>
             <a:ext cx="6162008" cy="369332"/>
           </a:xfrm>
           <a:prstGeom prst="rect">
@@ -5975,20 +5960,6 @@
           </a:bodyPr>
           <a:lstStyle/>
           <a:p>
-            <a:r>
-              <a:rPr lang="en-US" dirty="0" smtClean="0">
-                <a:solidFill>
-                  <a:schemeClr val="tx1">
-                    <a:lumMod val="65000"/>
-                    <a:lumOff val="35000"/>
-                  </a:schemeClr>
-                </a:solidFill>
-                <a:latin typeface="Ubuntu Condensed" panose="020B0506030602030204" pitchFamily="34" charset="0"/>
-                <a:ea typeface="Open Sans" panose="020B0606030504020204" pitchFamily="34" charset="0"/>
-                <a:cs typeface="Open Sans" panose="020B0606030504020204" pitchFamily="34" charset="0"/>
-              </a:rPr>
-              <a:t>American </a:t>
-            </a:r>
             <a:r>
               <a:rPr lang="en-US" dirty="0">
                 <a:solidFill>
@@ -6001,24 +5972,10 @@
                 <a:ea typeface="Open Sans" panose="020B0606030504020204" pitchFamily="34" charset="0"/>
                 <a:cs typeface="Open Sans" panose="020B0606030504020204" pitchFamily="34" charset="0"/>
               </a:rPr>
-              <a:t>Institute of Certified Public Accountants </a:t>
-            </a:r>
-            <a:r>
-              <a:rPr lang="en-US" dirty="0" smtClean="0">
-                <a:solidFill>
-                  <a:schemeClr val="tx1">
-                    <a:lumMod val="65000"/>
-                    <a:lumOff val="35000"/>
-                  </a:schemeClr>
-                </a:solidFill>
-                <a:latin typeface="Ubuntu Condensed" panose="020B0506030602030204" pitchFamily="34" charset="0"/>
-                <a:ea typeface="Open Sans" panose="020B0606030504020204" pitchFamily="34" charset="0"/>
-                <a:cs typeface="Open Sans" panose="020B0606030504020204" pitchFamily="34" charset="0"/>
-              </a:rPr>
-              <a:t>Committee (</a:t>
-            </a:r>
-            <a:r>
-              <a:rPr lang="en-US" sz="1600" b="1" dirty="0" smtClean="0">
+              <a:t>American Institute of Certified Public Accountants Committee (</a:t>
+            </a:r>
+            <a:r>
+              <a:rPr lang="en-US" sz="1600" b="1" dirty="0">
                 <a:solidFill>
                   <a:schemeClr val="tx1">
                     <a:lumMod val="65000"/>
@@ -6032,7 +5989,7 @@
               <a:t>AICPAC</a:t>
             </a:r>
             <a:r>
-              <a:rPr lang="en-US" b="1" dirty="0" smtClean="0">
+              <a:rPr lang="en-US" b="1" dirty="0">
                 <a:solidFill>
                   <a:schemeClr val="tx1">
                     <a:lumMod val="65000"/>
